--- a/docs/diagrams/SDforLoginCommandLogicAndModel.pptx
+++ b/docs/diagrams/SDforLoginCommandLogicAndModel.pptx
@@ -261,7 +261,7 @@
           <a:p>
             <a:fld id="{7A26E73D-0704-41E2-A85C-9874C6C723E6}" type="datetimeFigureOut">
               <a:rPr lang="en-IN" smtClean="0"/>
-              <a:t>16-10-2018</a:t>
+              <a:t>24-10-2018</a:t>
             </a:fld>
             <a:endParaRPr lang="en-IN"/>
           </a:p>
@@ -461,7 +461,7 @@
           <a:p>
             <a:fld id="{7A26E73D-0704-41E2-A85C-9874C6C723E6}" type="datetimeFigureOut">
               <a:rPr lang="en-IN" smtClean="0"/>
-              <a:t>16-10-2018</a:t>
+              <a:t>24-10-2018</a:t>
             </a:fld>
             <a:endParaRPr lang="en-IN"/>
           </a:p>
@@ -671,7 +671,7 @@
           <a:p>
             <a:fld id="{7A26E73D-0704-41E2-A85C-9874C6C723E6}" type="datetimeFigureOut">
               <a:rPr lang="en-IN" smtClean="0"/>
-              <a:t>16-10-2018</a:t>
+              <a:t>24-10-2018</a:t>
             </a:fld>
             <a:endParaRPr lang="en-IN"/>
           </a:p>
@@ -871,7 +871,7 @@
           <a:p>
             <a:fld id="{7A26E73D-0704-41E2-A85C-9874C6C723E6}" type="datetimeFigureOut">
               <a:rPr lang="en-IN" smtClean="0"/>
-              <a:t>16-10-2018</a:t>
+              <a:t>24-10-2018</a:t>
             </a:fld>
             <a:endParaRPr lang="en-IN"/>
           </a:p>
@@ -1147,7 +1147,7 @@
           <a:p>
             <a:fld id="{7A26E73D-0704-41E2-A85C-9874C6C723E6}" type="datetimeFigureOut">
               <a:rPr lang="en-IN" smtClean="0"/>
-              <a:t>16-10-2018</a:t>
+              <a:t>24-10-2018</a:t>
             </a:fld>
             <a:endParaRPr lang="en-IN"/>
           </a:p>
@@ -1415,7 +1415,7 @@
           <a:p>
             <a:fld id="{7A26E73D-0704-41E2-A85C-9874C6C723E6}" type="datetimeFigureOut">
               <a:rPr lang="en-IN" smtClean="0"/>
-              <a:t>16-10-2018</a:t>
+              <a:t>24-10-2018</a:t>
             </a:fld>
             <a:endParaRPr lang="en-IN"/>
           </a:p>
@@ -1830,7 +1830,7 @@
           <a:p>
             <a:fld id="{7A26E73D-0704-41E2-A85C-9874C6C723E6}" type="datetimeFigureOut">
               <a:rPr lang="en-IN" smtClean="0"/>
-              <a:t>16-10-2018</a:t>
+              <a:t>24-10-2018</a:t>
             </a:fld>
             <a:endParaRPr lang="en-IN"/>
           </a:p>
@@ -1972,7 +1972,7 @@
           <a:p>
             <a:fld id="{7A26E73D-0704-41E2-A85C-9874C6C723E6}" type="datetimeFigureOut">
               <a:rPr lang="en-IN" smtClean="0"/>
-              <a:t>16-10-2018</a:t>
+              <a:t>24-10-2018</a:t>
             </a:fld>
             <a:endParaRPr lang="en-IN"/>
           </a:p>
@@ -2085,7 +2085,7 @@
           <a:p>
             <a:fld id="{7A26E73D-0704-41E2-A85C-9874C6C723E6}" type="datetimeFigureOut">
               <a:rPr lang="en-IN" smtClean="0"/>
-              <a:t>16-10-2018</a:t>
+              <a:t>24-10-2018</a:t>
             </a:fld>
             <a:endParaRPr lang="en-IN"/>
           </a:p>
@@ -2398,7 +2398,7 @@
           <a:p>
             <a:fld id="{7A26E73D-0704-41E2-A85C-9874C6C723E6}" type="datetimeFigureOut">
               <a:rPr lang="en-IN" smtClean="0"/>
-              <a:t>16-10-2018</a:t>
+              <a:t>24-10-2018</a:t>
             </a:fld>
             <a:endParaRPr lang="en-IN"/>
           </a:p>
@@ -2687,7 +2687,7 @@
           <a:p>
             <a:fld id="{7A26E73D-0704-41E2-A85C-9874C6C723E6}" type="datetimeFigureOut">
               <a:rPr lang="en-IN" smtClean="0"/>
-              <a:t>16-10-2018</a:t>
+              <a:t>24-10-2018</a:t>
             </a:fld>
             <a:endParaRPr lang="en-IN"/>
           </a:p>
@@ -2930,7 +2930,7 @@
           <a:p>
             <a:fld id="{7A26E73D-0704-41E2-A85C-9874C6C723E6}" type="datetimeFigureOut">
               <a:rPr lang="en-IN" smtClean="0"/>
-              <a:t>16-10-2018</a:t>
+              <a:t>24-10-2018</a:t>
             </a:fld>
             <a:endParaRPr lang="en-IN"/>
           </a:p>
@@ -3680,13 +3680,15 @@
               </a:ext>
             </a:extLst>
           </p:cNvPr>
-          <p:cNvCxnSpPr/>
+          <p:cNvCxnSpPr>
+            <a:cxnSpLocks/>
+          </p:cNvCxnSpPr>
           <p:nvPr/>
         </p:nvCxnSpPr>
         <p:spPr>
           <a:xfrm>
-            <a:off x="4556224" y="1172693"/>
-            <a:ext cx="0" cy="1695374"/>
+            <a:off x="4556225" y="1172693"/>
+            <a:ext cx="1141" cy="3090028"/>
           </a:xfrm>
           <a:prstGeom prst="line">
             <a:avLst/>
@@ -3785,7 +3787,7 @@
         </p:nvSpPr>
         <p:spPr>
           <a:xfrm>
-            <a:off x="7421190" y="1746028"/>
+            <a:off x="7421190" y="1879378"/>
             <a:ext cx="1093635" cy="461538"/>
           </a:xfrm>
           <a:prstGeom prst="rect">
@@ -3857,14 +3859,15 @@
             </a:extLst>
           </p:cNvPr>
           <p:cNvCxnSpPr>
+            <a:cxnSpLocks/>
             <a:stCxn id="13" idx="0"/>
           </p:cNvCxnSpPr>
           <p:nvPr/>
         </p:nvCxnSpPr>
         <p:spPr>
           <a:xfrm>
-            <a:off x="7972199" y="2211722"/>
-            <a:ext cx="0" cy="1928177"/>
+            <a:off x="7960990" y="2301050"/>
+            <a:ext cx="11209" cy="1838849"/>
           </a:xfrm>
           <a:prstGeom prst="line">
             <a:avLst/>
@@ -3906,8 +3909,8 @@
         </p:nvSpPr>
         <p:spPr>
           <a:xfrm>
-            <a:off x="7895999" y="2211722"/>
-            <a:ext cx="152400" cy="250912"/>
+            <a:off x="7895999" y="2301050"/>
+            <a:ext cx="129981" cy="161583"/>
           </a:xfrm>
           <a:prstGeom prst="rect">
             <a:avLst/>
@@ -4131,7 +4134,7 @@
         </p:nvCxnSpPr>
         <p:spPr>
           <a:xfrm>
-            <a:off x="6457425" y="2433235"/>
+            <a:off x="6457425" y="2458635"/>
             <a:ext cx="1492974" cy="0"/>
           </a:xfrm>
           <a:prstGeom prst="straightConnector1">
@@ -4284,8 +4287,8 @@
         </p:nvSpPr>
         <p:spPr>
           <a:xfrm>
-            <a:off x="7887077" y="2563069"/>
-            <a:ext cx="161322" cy="1492503"/>
+            <a:off x="7887077" y="2563070"/>
+            <a:ext cx="161322" cy="1432120"/>
           </a:xfrm>
           <a:prstGeom prst="rect">
             <a:avLst/>
@@ -4380,8 +4383,8 @@
         </p:nvSpPr>
         <p:spPr>
           <a:xfrm>
-            <a:off x="9904573" y="2386141"/>
-            <a:ext cx="152400" cy="1478588"/>
+            <a:off x="9904572" y="2628901"/>
+            <a:ext cx="160631" cy="285703"/>
           </a:xfrm>
           <a:prstGeom prst="rect">
             <a:avLst/>
@@ -4432,13 +4435,15 @@
               </a:ext>
             </a:extLst>
           </p:cNvPr>
-          <p:cNvCxnSpPr/>
+          <p:cNvCxnSpPr>
+            <a:cxnSpLocks/>
+          </p:cNvCxnSpPr>
           <p:nvPr/>
         </p:nvCxnSpPr>
         <p:spPr>
           <a:xfrm>
-            <a:off x="8050288" y="2639462"/>
-            <a:ext cx="1836137" cy="0"/>
+            <a:off x="8047457" y="2633112"/>
+            <a:ext cx="1854498" cy="0"/>
           </a:xfrm>
           <a:prstGeom prst="straightConnector1">
             <a:avLst/>
@@ -4628,7 +4633,7 @@
         <p:spPr>
           <a:xfrm>
             <a:off x="2884828" y="1645596"/>
-            <a:ext cx="1424846" cy="923330"/>
+            <a:ext cx="1424846" cy="1107996"/>
           </a:xfrm>
           <a:prstGeom prst="rect">
             <a:avLst/>
@@ -4679,6 +4684,17 @@
               <a:rPr lang="en-US" sz="1200" dirty="0"/>
               <a:t>pass/#Qwerty123</a:t>
             </a:r>
+            <a:br>
+              <a:rPr lang="en-US" sz="1200" dirty="0"/>
+            </a:br>
+            <a:r>
+              <a:rPr lang="en-US" sz="1200" dirty="0" err="1"/>
+              <a:t>userdata</a:t>
+            </a:r>
+            <a:r>
+              <a:rPr lang="en-US" sz="1200" dirty="0"/>
+              <a:t>/demo.xml</a:t>
+            </a:r>
           </a:p>
           <a:p>
             <a:pPr algn="l"/>
@@ -4868,8 +4884,8 @@
         </p:nvSpPr>
         <p:spPr>
           <a:xfrm>
-            <a:off x="8731095" y="3809618"/>
-            <a:ext cx="152400" cy="171376"/>
+            <a:off x="8731095" y="3803267"/>
+            <a:ext cx="161322" cy="95631"/>
           </a:xfrm>
           <a:prstGeom prst="rect">
             <a:avLst/>
@@ -4917,7 +4933,7 @@
             </a:extLst>
           </p:cNvPr>
           <p:cNvCxnSpPr>
-            <a:endCxn id="33" idx="1"/>
+            <a:cxnSpLocks/>
           </p:cNvCxnSpPr>
           <p:nvPr/>
         </p:nvCxnSpPr>
@@ -5732,6 +5748,148 @@
           </a:fontRef>
         </p:style>
       </p:cxnSp>
+      <p:sp>
+        <p:nvSpPr>
+          <p:cNvPr id="52" name="Rectangle 51">
+            <a:extLst>
+              <a:ext uri="{FF2B5EF4-FFF2-40B4-BE49-F238E27FC236}">
+                <a16:creationId xmlns:a16="http://schemas.microsoft.com/office/drawing/2014/main" id="{0C986AAA-E656-41A3-BB4D-91E2284AD7CF}"/>
+              </a:ext>
+            </a:extLst>
+          </p:cNvPr>
+          <p:cNvSpPr/>
+          <p:nvPr/>
+        </p:nvSpPr>
+        <p:spPr>
+          <a:xfrm rot="21540000">
+            <a:off x="9914513" y="3216987"/>
+            <a:ext cx="160631" cy="169082"/>
+          </a:xfrm>
+          <a:prstGeom prst="rect">
+            <a:avLst/>
+          </a:prstGeom>
+          <a:solidFill>
+            <a:srgbClr val="9933FF"/>
+          </a:solidFill>
+          <a:ln>
+            <a:solidFill>
+              <a:srgbClr val="6F75F7"/>
+            </a:solidFill>
+          </a:ln>
+          <a:effectLst/>
+        </p:spPr>
+        <p:style>
+          <a:lnRef idx="1">
+            <a:schemeClr val="accent3"/>
+          </a:lnRef>
+          <a:fillRef idx="2">
+            <a:schemeClr val="accent3"/>
+          </a:fillRef>
+          <a:effectRef idx="1">
+            <a:schemeClr val="accent3"/>
+          </a:effectRef>
+          <a:fontRef idx="minor">
+            <a:schemeClr val="dk1"/>
+          </a:fontRef>
+        </p:style>
+        <p:txBody>
+          <a:bodyPr rtlCol="0" anchor="ctr"/>
+          <a:lstStyle/>
+          <a:p>
+            <a:pPr algn="ctr"/>
+            <a:endParaRPr lang="en-SG" sz="1400">
+              <a:solidFill>
+                <a:schemeClr val="dk1"/>
+              </a:solidFill>
+            </a:endParaRPr>
+          </a:p>
+        </p:txBody>
+      </p:sp>
+      <p:cxnSp>
+        <p:nvCxnSpPr>
+          <p:cNvPr id="54" name="Straight Arrow Connector 53">
+            <a:extLst>
+              <a:ext uri="{FF2B5EF4-FFF2-40B4-BE49-F238E27FC236}">
+                <a16:creationId xmlns:a16="http://schemas.microsoft.com/office/drawing/2014/main" id="{F4B9A290-414B-471A-976E-A0F785982A14}"/>
+              </a:ext>
+            </a:extLst>
+          </p:cNvPr>
+          <p:cNvCxnSpPr>
+            <a:cxnSpLocks/>
+          </p:cNvCxnSpPr>
+          <p:nvPr/>
+        </p:nvCxnSpPr>
+        <p:spPr>
+          <a:xfrm>
+            <a:off x="1580625" y="4293637"/>
+            <a:ext cx="1264259" cy="0"/>
+          </a:xfrm>
+          <a:prstGeom prst="straightConnector1">
+            <a:avLst/>
+          </a:prstGeom>
+          <a:ln w="19050">
+            <a:solidFill>
+              <a:srgbClr val="0070C0"/>
+            </a:solidFill>
+            <a:prstDash val="sysDash"/>
+            <a:headEnd type="arrow" w="med" len="med"/>
+            <a:tailEnd type="none" w="med" len="med"/>
+          </a:ln>
+        </p:spPr>
+        <p:style>
+          <a:lnRef idx="1">
+            <a:schemeClr val="accent1"/>
+          </a:lnRef>
+          <a:fillRef idx="0">
+            <a:schemeClr val="accent1"/>
+          </a:fillRef>
+          <a:effectRef idx="0">
+            <a:schemeClr val="accent1"/>
+          </a:effectRef>
+          <a:fontRef idx="minor">
+            <a:schemeClr val="tx1"/>
+          </a:fontRef>
+        </p:style>
+      </p:cxnSp>
+      <p:pic>
+        <p:nvPicPr>
+          <p:cNvPr id="57" name="Graphic 56" descr="Close">
+            <a:extLst>
+              <a:ext uri="{FF2B5EF4-FFF2-40B4-BE49-F238E27FC236}">
+                <a16:creationId xmlns:a16="http://schemas.microsoft.com/office/drawing/2014/main" id="{708BDF7B-C2D4-4F50-B09D-A4D4F0E653FB}"/>
+              </a:ext>
+            </a:extLst>
+          </p:cNvPr>
+          <p:cNvPicPr>
+            <a:picLocks noChangeAspect="1"/>
+          </p:cNvPicPr>
+          <p:nvPr/>
+        </p:nvPicPr>
+        <p:blipFill>
+          <a:blip r:embed="rId2">
+            <a:extLst>
+              <a:ext uri="{28A0092B-C50C-407E-A947-70E740481C1C}">
+                <a14:useLocalDpi xmlns:a14="http://schemas.microsoft.com/office/drawing/2010/main" val="0"/>
+              </a:ext>
+              <a:ext uri="{96DAC541-7B7A-43D3-8B79-37D633B846F1}">
+                <asvg:svgBlip xmlns:asvg="http://schemas.microsoft.com/office/drawing/2016/SVG/main" r:embed="rId3"/>
+              </a:ext>
+            </a:extLst>
+          </a:blip>
+          <a:stretch>
+            <a:fillRect/>
+          </a:stretch>
+        </p:blipFill>
+        <p:spPr>
+          <a:xfrm>
+            <a:off x="7854251" y="4158040"/>
+            <a:ext cx="246400" cy="246400"/>
+          </a:xfrm>
+          <a:prstGeom prst="rect">
+            <a:avLst/>
+          </a:prstGeom>
+        </p:spPr>
+      </p:pic>
     </p:spTree>
     <p:extLst>
       <p:ext uri="{BB962C8B-B14F-4D97-AF65-F5344CB8AC3E}">

--- a/docs/diagrams/SDforLoginCommandLogicAndModel.pptx
+++ b/docs/diagrams/SDforLoginCommandLogicAndModel.pptx
@@ -261,7 +261,7 @@
           <a:p>
             <a:fld id="{7A26E73D-0704-41E2-A85C-9874C6C723E6}" type="datetimeFigureOut">
               <a:rPr lang="en-IN" smtClean="0"/>
-              <a:t>24-10-2018</a:t>
+              <a:t>10-11-2018</a:t>
             </a:fld>
             <a:endParaRPr lang="en-IN"/>
           </a:p>
@@ -461,7 +461,7 @@
           <a:p>
             <a:fld id="{7A26E73D-0704-41E2-A85C-9874C6C723E6}" type="datetimeFigureOut">
               <a:rPr lang="en-IN" smtClean="0"/>
-              <a:t>24-10-2018</a:t>
+              <a:t>10-11-2018</a:t>
             </a:fld>
             <a:endParaRPr lang="en-IN"/>
           </a:p>
@@ -671,7 +671,7 @@
           <a:p>
             <a:fld id="{7A26E73D-0704-41E2-A85C-9874C6C723E6}" type="datetimeFigureOut">
               <a:rPr lang="en-IN" smtClean="0"/>
-              <a:t>24-10-2018</a:t>
+              <a:t>10-11-2018</a:t>
             </a:fld>
             <a:endParaRPr lang="en-IN"/>
           </a:p>
@@ -871,7 +871,7 @@
           <a:p>
             <a:fld id="{7A26E73D-0704-41E2-A85C-9874C6C723E6}" type="datetimeFigureOut">
               <a:rPr lang="en-IN" smtClean="0"/>
-              <a:t>24-10-2018</a:t>
+              <a:t>10-11-2018</a:t>
             </a:fld>
             <a:endParaRPr lang="en-IN"/>
           </a:p>
@@ -1147,7 +1147,7 @@
           <a:p>
             <a:fld id="{7A26E73D-0704-41E2-A85C-9874C6C723E6}" type="datetimeFigureOut">
               <a:rPr lang="en-IN" smtClean="0"/>
-              <a:t>24-10-2018</a:t>
+              <a:t>10-11-2018</a:t>
             </a:fld>
             <a:endParaRPr lang="en-IN"/>
           </a:p>
@@ -1415,7 +1415,7 @@
           <a:p>
             <a:fld id="{7A26E73D-0704-41E2-A85C-9874C6C723E6}" type="datetimeFigureOut">
               <a:rPr lang="en-IN" smtClean="0"/>
-              <a:t>24-10-2018</a:t>
+              <a:t>10-11-2018</a:t>
             </a:fld>
             <a:endParaRPr lang="en-IN"/>
           </a:p>
@@ -1830,7 +1830,7 @@
           <a:p>
             <a:fld id="{7A26E73D-0704-41E2-A85C-9874C6C723E6}" type="datetimeFigureOut">
               <a:rPr lang="en-IN" smtClean="0"/>
-              <a:t>24-10-2018</a:t>
+              <a:t>10-11-2018</a:t>
             </a:fld>
             <a:endParaRPr lang="en-IN"/>
           </a:p>
@@ -1972,7 +1972,7 @@
           <a:p>
             <a:fld id="{7A26E73D-0704-41E2-A85C-9874C6C723E6}" type="datetimeFigureOut">
               <a:rPr lang="en-IN" smtClean="0"/>
-              <a:t>24-10-2018</a:t>
+              <a:t>10-11-2018</a:t>
             </a:fld>
             <a:endParaRPr lang="en-IN"/>
           </a:p>
@@ -2085,7 +2085,7 @@
           <a:p>
             <a:fld id="{7A26E73D-0704-41E2-A85C-9874C6C723E6}" type="datetimeFigureOut">
               <a:rPr lang="en-IN" smtClean="0"/>
-              <a:t>24-10-2018</a:t>
+              <a:t>10-11-2018</a:t>
             </a:fld>
             <a:endParaRPr lang="en-IN"/>
           </a:p>
@@ -2398,7 +2398,7 @@
           <a:p>
             <a:fld id="{7A26E73D-0704-41E2-A85C-9874C6C723E6}" type="datetimeFigureOut">
               <a:rPr lang="en-IN" smtClean="0"/>
-              <a:t>24-10-2018</a:t>
+              <a:t>10-11-2018</a:t>
             </a:fld>
             <a:endParaRPr lang="en-IN"/>
           </a:p>
@@ -2687,7 +2687,7 @@
           <a:p>
             <a:fld id="{7A26E73D-0704-41E2-A85C-9874C6C723E6}" type="datetimeFigureOut">
               <a:rPr lang="en-IN" smtClean="0"/>
-              <a:t>24-10-2018</a:t>
+              <a:t>10-11-2018</a:t>
             </a:fld>
             <a:endParaRPr lang="en-IN"/>
           </a:p>
@@ -2930,7 +2930,7 @@
           <a:p>
             <a:fld id="{7A26E73D-0704-41E2-A85C-9874C6C723E6}" type="datetimeFigureOut">
               <a:rPr lang="en-IN" smtClean="0"/>
-              <a:t>24-10-2018</a:t>
+              <a:t>10-11-2018</a:t>
             </a:fld>
             <a:endParaRPr lang="en-IN"/>
           </a:p>
@@ -4383,8 +4383,8 @@
         </p:nvSpPr>
         <p:spPr>
           <a:xfrm>
-            <a:off x="9904572" y="2628901"/>
-            <a:ext cx="160631" cy="285703"/>
+            <a:off x="9904572" y="2628902"/>
+            <a:ext cx="160631" cy="123118"/>
           </a:xfrm>
           <a:prstGeom prst="rect">
             <a:avLst/>
@@ -4453,52 +4453,6 @@
               <a:srgbClr val="9933FF"/>
             </a:solidFill>
             <a:tailEnd type="arrow"/>
-          </a:ln>
-        </p:spPr>
-        <p:style>
-          <a:lnRef idx="1">
-            <a:schemeClr val="accent1"/>
-          </a:lnRef>
-          <a:fillRef idx="0">
-            <a:schemeClr val="accent1"/>
-          </a:fillRef>
-          <a:effectRef idx="0">
-            <a:schemeClr val="accent1"/>
-          </a:effectRef>
-          <a:fontRef idx="minor">
-            <a:schemeClr val="tx1"/>
-          </a:fontRef>
-        </p:style>
-      </p:cxnSp>
-      <p:cxnSp>
-        <p:nvCxnSpPr>
-          <p:cNvPr id="26" name="Straight Arrow Connector 25">
-            <a:extLst>
-              <a:ext uri="{FF2B5EF4-FFF2-40B4-BE49-F238E27FC236}">
-                <a16:creationId xmlns:a16="http://schemas.microsoft.com/office/drawing/2014/main" id="{F7CB88C5-CF86-4730-817B-A673D34BF375}"/>
-              </a:ext>
-            </a:extLst>
-          </p:cNvPr>
-          <p:cNvCxnSpPr>
-            <a:cxnSpLocks/>
-          </p:cNvCxnSpPr>
-          <p:nvPr/>
-        </p:nvCxnSpPr>
-        <p:spPr>
-          <a:xfrm>
-            <a:off x="8041380" y="2914604"/>
-            <a:ext cx="1863193" cy="0"/>
-          </a:xfrm>
-          <a:prstGeom prst="straightConnector1">
-            <a:avLst/>
-          </a:prstGeom>
-          <a:ln w="19050">
-            <a:solidFill>
-              <a:srgbClr val="9933FF"/>
-            </a:solidFill>
-            <a:prstDash val="sysDash"/>
-            <a:headEnd type="arrow" w="med" len="med"/>
-            <a:tailEnd type="none" w="med" len="med"/>
           </a:ln>
         </p:spPr>
         <p:style>
@@ -5513,13 +5467,15 @@
               </a:ext>
             </a:extLst>
           </p:cNvPr>
-          <p:cNvCxnSpPr/>
+          <p:cNvCxnSpPr>
+            <a:cxnSpLocks/>
+          </p:cNvCxnSpPr>
           <p:nvPr/>
         </p:nvCxnSpPr>
         <p:spPr>
           <a:xfrm>
-            <a:off x="8057625" y="3227449"/>
-            <a:ext cx="1836137" cy="0"/>
+            <a:off x="8051619" y="3262285"/>
+            <a:ext cx="1854498" cy="0"/>
           </a:xfrm>
           <a:prstGeom prst="straightConnector1">
             <a:avLst/>
@@ -5560,7 +5516,7 @@
         </p:nvSpPr>
         <p:spPr>
           <a:xfrm>
-            <a:off x="8353621" y="2997685"/>
+            <a:off x="8353621" y="3054835"/>
             <a:ext cx="1424846" cy="161583"/>
           </a:xfrm>
           <a:prstGeom prst="rect">
@@ -5604,12 +5560,298 @@
           </a:p>
         </p:txBody>
       </p:sp>
-      <p:sp>
-        <p:nvSpPr>
-          <p:cNvPr id="49" name="TextBox 48">
-            <a:extLst>
-              <a:ext uri="{FF2B5EF4-FFF2-40B4-BE49-F238E27FC236}">
-                <a16:creationId xmlns:a16="http://schemas.microsoft.com/office/drawing/2014/main" id="{58A255E3-0283-41E5-B87F-C862D3428740}"/>
+      <p:cxnSp>
+        <p:nvCxnSpPr>
+          <p:cNvPr id="35" name="Connector: Elbow 34">
+            <a:extLst>
+              <a:ext uri="{FF2B5EF4-FFF2-40B4-BE49-F238E27FC236}">
+                <a16:creationId xmlns:a16="http://schemas.microsoft.com/office/drawing/2014/main" id="{EF3EDFA4-6975-4C10-A665-B84F34310CCF}"/>
+              </a:ext>
+            </a:extLst>
+          </p:cNvPr>
+          <p:cNvCxnSpPr>
+            <a:cxnSpLocks/>
+          </p:cNvCxnSpPr>
+          <p:nvPr/>
+        </p:nvCxnSpPr>
+        <p:spPr>
+          <a:xfrm flipV="1">
+            <a:off x="2869811" y="2568441"/>
+            <a:ext cx="5005960" cy="886723"/>
+          </a:xfrm>
+          <a:prstGeom prst="bentConnector3">
+            <a:avLst>
+              <a:gd name="adj1" fmla="val 88721"/>
+            </a:avLst>
+          </a:prstGeom>
+          <a:ln w="19050">
+            <a:tailEnd type="arrow"/>
+          </a:ln>
+        </p:spPr>
+        <p:style>
+          <a:lnRef idx="1">
+            <a:schemeClr val="accent1"/>
+          </a:lnRef>
+          <a:fillRef idx="0">
+            <a:schemeClr val="accent1"/>
+          </a:fillRef>
+          <a:effectRef idx="0">
+            <a:schemeClr val="accent1"/>
+          </a:effectRef>
+          <a:fontRef idx="minor">
+            <a:schemeClr val="tx1"/>
+          </a:fontRef>
+        </p:style>
+      </p:cxnSp>
+      <p:sp>
+        <p:nvSpPr>
+          <p:cNvPr id="52" name="Rectangle 51">
+            <a:extLst>
+              <a:ext uri="{FF2B5EF4-FFF2-40B4-BE49-F238E27FC236}">
+                <a16:creationId xmlns:a16="http://schemas.microsoft.com/office/drawing/2014/main" id="{0C986AAA-E656-41A3-BB4D-91E2284AD7CF}"/>
+              </a:ext>
+            </a:extLst>
+          </p:cNvPr>
+          <p:cNvSpPr/>
+          <p:nvPr/>
+        </p:nvSpPr>
+        <p:spPr>
+          <a:xfrm rot="21540000">
+            <a:off x="9914103" y="3249468"/>
+            <a:ext cx="160631" cy="122057"/>
+          </a:xfrm>
+          <a:prstGeom prst="rect">
+            <a:avLst/>
+          </a:prstGeom>
+          <a:solidFill>
+            <a:srgbClr val="9933FF"/>
+          </a:solidFill>
+          <a:ln>
+            <a:solidFill>
+              <a:srgbClr val="6F75F7"/>
+            </a:solidFill>
+          </a:ln>
+          <a:effectLst/>
+        </p:spPr>
+        <p:style>
+          <a:lnRef idx="1">
+            <a:schemeClr val="accent3"/>
+          </a:lnRef>
+          <a:fillRef idx="2">
+            <a:schemeClr val="accent3"/>
+          </a:fillRef>
+          <a:effectRef idx="1">
+            <a:schemeClr val="accent3"/>
+          </a:effectRef>
+          <a:fontRef idx="minor">
+            <a:schemeClr val="dk1"/>
+          </a:fontRef>
+        </p:style>
+        <p:txBody>
+          <a:bodyPr rtlCol="0" anchor="ctr"/>
+          <a:lstStyle/>
+          <a:p>
+            <a:pPr algn="ctr"/>
+            <a:endParaRPr lang="en-SG" sz="1400">
+              <a:solidFill>
+                <a:schemeClr val="dk1"/>
+              </a:solidFill>
+            </a:endParaRPr>
+          </a:p>
+        </p:txBody>
+      </p:sp>
+      <p:cxnSp>
+        <p:nvCxnSpPr>
+          <p:cNvPr id="54" name="Straight Arrow Connector 53">
+            <a:extLst>
+              <a:ext uri="{FF2B5EF4-FFF2-40B4-BE49-F238E27FC236}">
+                <a16:creationId xmlns:a16="http://schemas.microsoft.com/office/drawing/2014/main" id="{F4B9A290-414B-471A-976E-A0F785982A14}"/>
+              </a:ext>
+            </a:extLst>
+          </p:cNvPr>
+          <p:cNvCxnSpPr>
+            <a:cxnSpLocks/>
+          </p:cNvCxnSpPr>
+          <p:nvPr/>
+        </p:nvCxnSpPr>
+        <p:spPr>
+          <a:xfrm>
+            <a:off x="1580625" y="4293637"/>
+            <a:ext cx="1264259" cy="0"/>
+          </a:xfrm>
+          <a:prstGeom prst="straightConnector1">
+            <a:avLst/>
+          </a:prstGeom>
+          <a:ln w="19050">
+            <a:solidFill>
+              <a:srgbClr val="0070C0"/>
+            </a:solidFill>
+            <a:prstDash val="sysDash"/>
+            <a:headEnd type="arrow" w="med" len="med"/>
+            <a:tailEnd type="none" w="med" len="med"/>
+          </a:ln>
+        </p:spPr>
+        <p:style>
+          <a:lnRef idx="1">
+            <a:schemeClr val="accent1"/>
+          </a:lnRef>
+          <a:fillRef idx="0">
+            <a:schemeClr val="accent1"/>
+          </a:fillRef>
+          <a:effectRef idx="0">
+            <a:schemeClr val="accent1"/>
+          </a:effectRef>
+          <a:fontRef idx="minor">
+            <a:schemeClr val="tx1"/>
+          </a:fontRef>
+        </p:style>
+      </p:cxnSp>
+      <p:pic>
+        <p:nvPicPr>
+          <p:cNvPr id="57" name="Graphic 56" descr="Close">
+            <a:extLst>
+              <a:ext uri="{FF2B5EF4-FFF2-40B4-BE49-F238E27FC236}">
+                <a16:creationId xmlns:a16="http://schemas.microsoft.com/office/drawing/2014/main" id="{708BDF7B-C2D4-4F50-B09D-A4D4F0E653FB}"/>
+              </a:ext>
+            </a:extLst>
+          </p:cNvPr>
+          <p:cNvPicPr>
+            <a:picLocks noChangeAspect="1"/>
+          </p:cNvPicPr>
+          <p:nvPr/>
+        </p:nvPicPr>
+        <p:blipFill>
+          <a:blip r:embed="rId2">
+            <a:extLst>
+              <a:ext uri="{28A0092B-C50C-407E-A947-70E740481C1C}">
+                <a14:useLocalDpi xmlns:a14="http://schemas.microsoft.com/office/drawing/2010/main" val="0"/>
+              </a:ext>
+              <a:ext uri="{96DAC541-7B7A-43D3-8B79-37D633B846F1}">
+                <asvg:svgBlip xmlns:asvg="http://schemas.microsoft.com/office/drawing/2016/SVG/main" r:embed="rId3"/>
+              </a:ext>
+            </a:extLst>
+          </a:blip>
+          <a:stretch>
+            <a:fillRect/>
+          </a:stretch>
+        </p:blipFill>
+        <p:spPr>
+          <a:xfrm>
+            <a:off x="7854251" y="4158040"/>
+            <a:ext cx="246400" cy="246400"/>
+          </a:xfrm>
+          <a:prstGeom prst="rect">
+            <a:avLst/>
+          </a:prstGeom>
+        </p:spPr>
+      </p:pic>
+      <p:sp>
+        <p:nvSpPr>
+          <p:cNvPr id="53" name="Rectangle 52">
+            <a:extLst>
+              <a:ext uri="{FF2B5EF4-FFF2-40B4-BE49-F238E27FC236}">
+                <a16:creationId xmlns:a16="http://schemas.microsoft.com/office/drawing/2014/main" id="{D2C4B18D-7949-4563-9552-7EF64C72633F}"/>
+              </a:ext>
+            </a:extLst>
+          </p:cNvPr>
+          <p:cNvSpPr/>
+          <p:nvPr/>
+        </p:nvSpPr>
+        <p:spPr>
+          <a:xfrm>
+            <a:off x="9908810" y="2931564"/>
+            <a:ext cx="160631" cy="123118"/>
+          </a:xfrm>
+          <a:prstGeom prst="rect">
+            <a:avLst/>
+          </a:prstGeom>
+          <a:solidFill>
+            <a:srgbClr val="9933FF"/>
+          </a:solidFill>
+          <a:ln>
+            <a:solidFill>
+              <a:srgbClr val="6F75F7"/>
+            </a:solidFill>
+          </a:ln>
+          <a:effectLst/>
+        </p:spPr>
+        <p:style>
+          <a:lnRef idx="1">
+            <a:schemeClr val="accent3"/>
+          </a:lnRef>
+          <a:fillRef idx="2">
+            <a:schemeClr val="accent3"/>
+          </a:fillRef>
+          <a:effectRef idx="1">
+            <a:schemeClr val="accent3"/>
+          </a:effectRef>
+          <a:fontRef idx="minor">
+            <a:schemeClr val="dk1"/>
+          </a:fontRef>
+        </p:style>
+        <p:txBody>
+          <a:bodyPr rtlCol="0" anchor="ctr"/>
+          <a:lstStyle/>
+          <a:p>
+            <a:pPr algn="ctr"/>
+            <a:endParaRPr lang="en-SG" sz="1400">
+              <a:solidFill>
+                <a:schemeClr val="dk1"/>
+              </a:solidFill>
+            </a:endParaRPr>
+          </a:p>
+        </p:txBody>
+      </p:sp>
+      <p:cxnSp>
+        <p:nvCxnSpPr>
+          <p:cNvPr id="55" name="Straight Arrow Connector 54">
+            <a:extLst>
+              <a:ext uri="{FF2B5EF4-FFF2-40B4-BE49-F238E27FC236}">
+                <a16:creationId xmlns:a16="http://schemas.microsoft.com/office/drawing/2014/main" id="{C1BA6689-DBEB-4738-AC1F-C40ADCAF540B}"/>
+              </a:ext>
+            </a:extLst>
+          </p:cNvPr>
+          <p:cNvCxnSpPr>
+            <a:cxnSpLocks/>
+          </p:cNvCxnSpPr>
+          <p:nvPr/>
+        </p:nvCxnSpPr>
+        <p:spPr>
+          <a:xfrm>
+            <a:off x="8045936" y="2939193"/>
+            <a:ext cx="1854498" cy="0"/>
+          </a:xfrm>
+          <a:prstGeom prst="straightConnector1">
+            <a:avLst/>
+          </a:prstGeom>
+          <a:ln w="19050">
+            <a:solidFill>
+              <a:srgbClr val="9933FF"/>
+            </a:solidFill>
+            <a:tailEnd type="arrow"/>
+          </a:ln>
+        </p:spPr>
+        <p:style>
+          <a:lnRef idx="1">
+            <a:schemeClr val="accent1"/>
+          </a:lnRef>
+          <a:fillRef idx="0">
+            <a:schemeClr val="accent1"/>
+          </a:fillRef>
+          <a:effectRef idx="0">
+            <a:schemeClr val="accent1"/>
+          </a:effectRef>
+          <a:fontRef idx="minor">
+            <a:schemeClr val="tx1"/>
+          </a:fontRef>
+        </p:style>
+      </p:cxnSp>
+      <p:sp>
+        <p:nvSpPr>
+          <p:cNvPr id="56" name="TextBox 55">
+            <a:extLst>
+              <a:ext uri="{FF2B5EF4-FFF2-40B4-BE49-F238E27FC236}">
+                <a16:creationId xmlns:a16="http://schemas.microsoft.com/office/drawing/2014/main" id="{021500EA-5E2D-4587-813B-E984DAE96135}"/>
               </a:ext>
             </a:extLst>
           </p:cNvPr>
@@ -5618,7 +5860,7 @@
         </p:nvSpPr>
         <p:spPr>
           <a:xfrm>
-            <a:off x="8384768" y="2697811"/>
+            <a:off x="8348293" y="2717268"/>
             <a:ext cx="1424846" cy="161583"/>
           </a:xfrm>
           <a:prstGeom prst="rect">
@@ -5644,252 +5886,24 @@
           </a:lstStyle>
           <a:p>
             <a:r>
-              <a:rPr lang="en-US" sz="1050" i="1" dirty="0" err="1">
+              <a:rPr lang="en-US" sz="1050" dirty="0" err="1">
                 <a:solidFill>
                   <a:srgbClr val="7030A0"/>
                 </a:solidFill>
               </a:rPr>
-              <a:t>boolean</a:t>
-            </a:r>
-            <a:endParaRPr lang="en-US" sz="1050" i="1" dirty="0">
-              <a:solidFill>
-                <a:srgbClr val="7030A0"/>
-              </a:solidFill>
-            </a:endParaRPr>
-          </a:p>
-        </p:txBody>
-      </p:sp>
-      <p:cxnSp>
-        <p:nvCxnSpPr>
-          <p:cNvPr id="50" name="Straight Arrow Connector 49">
-            <a:extLst>
-              <a:ext uri="{FF2B5EF4-FFF2-40B4-BE49-F238E27FC236}">
-                <a16:creationId xmlns:a16="http://schemas.microsoft.com/office/drawing/2014/main" id="{20C591A8-DEF4-4FEA-BA0E-71753F0B74AE}"/>
-              </a:ext>
-            </a:extLst>
-          </p:cNvPr>
-          <p:cNvCxnSpPr>
-            <a:cxnSpLocks/>
-          </p:cNvCxnSpPr>
-          <p:nvPr/>
-        </p:nvCxnSpPr>
-        <p:spPr>
-          <a:xfrm>
-            <a:off x="8039019" y="3386327"/>
-            <a:ext cx="1865554" cy="0"/>
-          </a:xfrm>
-          <a:prstGeom prst="straightConnector1">
-            <a:avLst/>
-          </a:prstGeom>
-          <a:ln w="19050">
-            <a:solidFill>
-              <a:srgbClr val="9933FF"/>
-            </a:solidFill>
-            <a:prstDash val="sysDash"/>
-            <a:headEnd type="arrow" w="med" len="med"/>
-            <a:tailEnd type="none" w="med" len="med"/>
-          </a:ln>
-        </p:spPr>
-        <p:style>
-          <a:lnRef idx="1">
-            <a:schemeClr val="accent1"/>
-          </a:lnRef>
-          <a:fillRef idx="0">
-            <a:schemeClr val="accent1"/>
-          </a:fillRef>
-          <a:effectRef idx="0">
-            <a:schemeClr val="accent1"/>
-          </a:effectRef>
-          <a:fontRef idx="minor">
-            <a:schemeClr val="tx1"/>
-          </a:fontRef>
-        </p:style>
-      </p:cxnSp>
-      <p:cxnSp>
-        <p:nvCxnSpPr>
-          <p:cNvPr id="35" name="Connector: Elbow 34">
-            <a:extLst>
-              <a:ext uri="{FF2B5EF4-FFF2-40B4-BE49-F238E27FC236}">
-                <a16:creationId xmlns:a16="http://schemas.microsoft.com/office/drawing/2014/main" id="{EF3EDFA4-6975-4C10-A665-B84F34310CCF}"/>
-              </a:ext>
-            </a:extLst>
-          </p:cNvPr>
-          <p:cNvCxnSpPr>
-            <a:cxnSpLocks/>
-          </p:cNvCxnSpPr>
-          <p:nvPr/>
-        </p:nvCxnSpPr>
-        <p:spPr>
-          <a:xfrm flipV="1">
-            <a:off x="2869811" y="2568441"/>
-            <a:ext cx="5005960" cy="886723"/>
-          </a:xfrm>
-          <a:prstGeom prst="bentConnector3">
-            <a:avLst>
-              <a:gd name="adj1" fmla="val 88721"/>
-            </a:avLst>
-          </a:prstGeom>
-          <a:ln w="19050">
-            <a:tailEnd type="arrow"/>
-          </a:ln>
-        </p:spPr>
-        <p:style>
-          <a:lnRef idx="1">
-            <a:schemeClr val="accent1"/>
-          </a:lnRef>
-          <a:fillRef idx="0">
-            <a:schemeClr val="accent1"/>
-          </a:fillRef>
-          <a:effectRef idx="0">
-            <a:schemeClr val="accent1"/>
-          </a:effectRef>
-          <a:fontRef idx="minor">
-            <a:schemeClr val="tx1"/>
-          </a:fontRef>
-        </p:style>
-      </p:cxnSp>
-      <p:sp>
-        <p:nvSpPr>
-          <p:cNvPr id="52" name="Rectangle 51">
-            <a:extLst>
-              <a:ext uri="{FF2B5EF4-FFF2-40B4-BE49-F238E27FC236}">
-                <a16:creationId xmlns:a16="http://schemas.microsoft.com/office/drawing/2014/main" id="{0C986AAA-E656-41A3-BB4D-91E2284AD7CF}"/>
-              </a:ext>
-            </a:extLst>
-          </p:cNvPr>
-          <p:cNvSpPr/>
-          <p:nvPr/>
-        </p:nvSpPr>
-        <p:spPr>
-          <a:xfrm rot="21540000">
-            <a:off x="9914513" y="3216987"/>
-            <a:ext cx="160631" cy="169082"/>
-          </a:xfrm>
-          <a:prstGeom prst="rect">
-            <a:avLst/>
-          </a:prstGeom>
-          <a:solidFill>
-            <a:srgbClr val="9933FF"/>
-          </a:solidFill>
-          <a:ln>
-            <a:solidFill>
-              <a:srgbClr val="6F75F7"/>
-            </a:solidFill>
-          </a:ln>
-          <a:effectLst/>
-        </p:spPr>
-        <p:style>
-          <a:lnRef idx="1">
-            <a:schemeClr val="accent3"/>
-          </a:lnRef>
-          <a:fillRef idx="2">
-            <a:schemeClr val="accent3"/>
-          </a:fillRef>
-          <a:effectRef idx="1">
-            <a:schemeClr val="accent3"/>
-          </a:effectRef>
-          <a:fontRef idx="minor">
-            <a:schemeClr val="dk1"/>
-          </a:fontRef>
-        </p:style>
-        <p:txBody>
-          <a:bodyPr rtlCol="0" anchor="ctr"/>
-          <a:lstStyle/>
-          <a:p>
-            <a:pPr algn="ctr"/>
-            <a:endParaRPr lang="en-SG" sz="1400">
-              <a:solidFill>
-                <a:schemeClr val="dk1"/>
-              </a:solidFill>
-            </a:endParaRPr>
-          </a:p>
-        </p:txBody>
-      </p:sp>
-      <p:cxnSp>
-        <p:nvCxnSpPr>
-          <p:cNvPr id="54" name="Straight Arrow Connector 53">
-            <a:extLst>
-              <a:ext uri="{FF2B5EF4-FFF2-40B4-BE49-F238E27FC236}">
-                <a16:creationId xmlns:a16="http://schemas.microsoft.com/office/drawing/2014/main" id="{F4B9A290-414B-471A-976E-A0F785982A14}"/>
-              </a:ext>
-            </a:extLst>
-          </p:cNvPr>
-          <p:cNvCxnSpPr>
-            <a:cxnSpLocks/>
-          </p:cNvCxnSpPr>
-          <p:nvPr/>
-        </p:nvCxnSpPr>
-        <p:spPr>
-          <a:xfrm>
-            <a:off x="1580625" y="4293637"/>
-            <a:ext cx="1264259" cy="0"/>
-          </a:xfrm>
-          <a:prstGeom prst="straightConnector1">
-            <a:avLst/>
-          </a:prstGeom>
-          <a:ln w="19050">
-            <a:solidFill>
-              <a:srgbClr val="0070C0"/>
-            </a:solidFill>
-            <a:prstDash val="sysDash"/>
-            <a:headEnd type="arrow" w="med" len="med"/>
-            <a:tailEnd type="none" w="med" len="med"/>
-          </a:ln>
-        </p:spPr>
-        <p:style>
-          <a:lnRef idx="1">
-            <a:schemeClr val="accent1"/>
-          </a:lnRef>
-          <a:fillRef idx="0">
-            <a:schemeClr val="accent1"/>
-          </a:fillRef>
-          <a:effectRef idx="0">
-            <a:schemeClr val="accent1"/>
-          </a:effectRef>
-          <a:fontRef idx="minor">
-            <a:schemeClr val="tx1"/>
-          </a:fontRef>
-        </p:style>
-      </p:cxnSp>
-      <p:pic>
-        <p:nvPicPr>
-          <p:cNvPr id="57" name="Graphic 56" descr="Close">
-            <a:extLst>
-              <a:ext uri="{FF2B5EF4-FFF2-40B4-BE49-F238E27FC236}">
-                <a16:creationId xmlns:a16="http://schemas.microsoft.com/office/drawing/2014/main" id="{708BDF7B-C2D4-4F50-B09D-A4D4F0E653FB}"/>
-              </a:ext>
-            </a:extLst>
-          </p:cNvPr>
-          <p:cNvPicPr>
-            <a:picLocks noChangeAspect="1"/>
-          </p:cNvPicPr>
-          <p:nvPr/>
-        </p:nvPicPr>
-        <p:blipFill>
-          <a:blip r:embed="rId2">
-            <a:extLst>
-              <a:ext uri="{28A0092B-C50C-407E-A947-70E740481C1C}">
-                <a14:useLocalDpi xmlns:a14="http://schemas.microsoft.com/office/drawing/2010/main" val="0"/>
-              </a:ext>
-              <a:ext uri="{96DAC541-7B7A-43D3-8B79-37D633B846F1}">
-                <asvg:svgBlip xmlns:asvg="http://schemas.microsoft.com/office/drawing/2016/SVG/main" r:embed="rId3"/>
-              </a:ext>
-            </a:extLst>
-          </a:blip>
-          <a:stretch>
-            <a:fillRect/>
-          </a:stretch>
-        </p:blipFill>
-        <p:spPr>
-          <a:xfrm>
-            <a:off x="7854251" y="4158040"/>
-            <a:ext cx="246400" cy="246400"/>
-          </a:xfrm>
-          <a:prstGeom prst="rect">
-            <a:avLst/>
-          </a:prstGeom>
-        </p:spPr>
-      </p:pic>
+              <a:t>readUserFile</a:t>
+            </a:r>
+            <a:r>
+              <a:rPr lang="en-US" sz="1050" dirty="0">
+                <a:solidFill>
+                  <a:srgbClr val="7030A0"/>
+                </a:solidFill>
+              </a:rPr>
+              <a:t>(…)</a:t>
+            </a:r>
+          </a:p>
+        </p:txBody>
+      </p:sp>
     </p:spTree>
     <p:extLst>
       <p:ext uri="{BB962C8B-B14F-4D97-AF65-F5344CB8AC3E}">
